--- a/Day 9 & 10/2. JSPs/Slides/3. Working with Directives/3-java-ee-java-server-pages-m3-slides.pptx
+++ b/Day 9 & 10/2. JSPs/Slides/3. Working with Directives/3-java-ee-java-server-pages-m3-slides.pptx
@@ -5,33 +5,33 @@
     <p:sldMasterId id="2147483648" r:id="rId1"/>
   </p:sldMasterIdLst>
   <p:notesMasterIdLst>
-    <p:notesMasterId r:id="rId27"/>
+    <p:notesMasterId r:id="rId26"/>
   </p:notesMasterIdLst>
   <p:sldIdLst>
-    <p:sldId id="256" r:id="rId3"/>
-    <p:sldId id="257" r:id="rId4"/>
-    <p:sldId id="258" r:id="rId5"/>
-    <p:sldId id="276" r:id="rId6"/>
-    <p:sldId id="259" r:id="rId7"/>
-    <p:sldId id="260" r:id="rId8"/>
-    <p:sldId id="261" r:id="rId9"/>
-    <p:sldId id="262" r:id="rId10"/>
-    <p:sldId id="263" r:id="rId11"/>
-    <p:sldId id="264" r:id="rId12"/>
-    <p:sldId id="265" r:id="rId13"/>
-    <p:sldId id="266" r:id="rId14"/>
-    <p:sldId id="277" r:id="rId15"/>
-    <p:sldId id="267" r:id="rId16"/>
-    <p:sldId id="268" r:id="rId17"/>
-    <p:sldId id="269" r:id="rId18"/>
-    <p:sldId id="278" r:id="rId19"/>
-    <p:sldId id="270" r:id="rId20"/>
-    <p:sldId id="271" r:id="rId21"/>
-    <p:sldId id="272" r:id="rId22"/>
-    <p:sldId id="273" r:id="rId23"/>
-    <p:sldId id="274" r:id="rId24"/>
-    <p:sldId id="275" r:id="rId25"/>
-    <p:sldId id="279" r:id="rId26"/>
+    <p:sldId id="256" r:id="rId2"/>
+    <p:sldId id="257" r:id="rId3"/>
+    <p:sldId id="258" r:id="rId4"/>
+    <p:sldId id="276" r:id="rId5"/>
+    <p:sldId id="259" r:id="rId6"/>
+    <p:sldId id="260" r:id="rId7"/>
+    <p:sldId id="261" r:id="rId8"/>
+    <p:sldId id="262" r:id="rId9"/>
+    <p:sldId id="263" r:id="rId10"/>
+    <p:sldId id="264" r:id="rId11"/>
+    <p:sldId id="265" r:id="rId12"/>
+    <p:sldId id="266" r:id="rId13"/>
+    <p:sldId id="277" r:id="rId14"/>
+    <p:sldId id="267" r:id="rId15"/>
+    <p:sldId id="268" r:id="rId16"/>
+    <p:sldId id="269" r:id="rId17"/>
+    <p:sldId id="278" r:id="rId18"/>
+    <p:sldId id="270" r:id="rId19"/>
+    <p:sldId id="271" r:id="rId20"/>
+    <p:sldId id="272" r:id="rId21"/>
+    <p:sldId id="273" r:id="rId22"/>
+    <p:sldId id="274" r:id="rId23"/>
+    <p:sldId id="275" r:id="rId24"/>
+    <p:sldId id="279" r:id="rId25"/>
   </p:sldIdLst>
   <p:sldSz cx="12192000" cy="6858000"/>
   <p:notesSz cx="12192000" cy="6858000"/>
@@ -127,6 +127,22 @@
       </a:defRPr>
     </a:lvl9pPr>
   </p:defaultTextStyle>
+  <p:extLst>
+    <p:ext uri="{EFAFB233-063F-42B5-8137-9DF3F51BA10A}">
+      <p15:sldGuideLst xmlns:p15="http://schemas.microsoft.com/office/powerpoint/2012/main">
+        <p15:guide id="1" orient="horz" pos="2880">
+          <p15:clr>
+            <a:srgbClr val="A4A3A4"/>
+          </p15:clr>
+        </p15:guide>
+        <p15:guide id="2" pos="2136">
+          <p15:clr>
+            <a:srgbClr val="A4A3A4"/>
+          </p15:clr>
+        </p15:guide>
+      </p15:sldGuideLst>
+    </p:ext>
+  </p:extLst>
 </p:presentation>
 </file>
 
@@ -212,6 +228,7 @@
           <a:p>
             <a:fld id="{3EFD42F7-718C-4B98-AAEC-167E6DDD60A7}" type="datetimeFigureOut">
               <a:rPr lang="en-US" smtClean="0"/>
+              <a:t>8/18/2023</a:t>
             </a:fld>
             <a:endParaRPr lang="en-US"/>
           </a:p>
@@ -275,42 +292,37 @@
           <a:p>
             <a:pPr lvl="0"/>
             <a:r>
-              <a:rPr lang="en-US" smtClean="0"/>
+              <a:rPr lang="en-US"/>
               <a:t>Click to edit Master text styles</a:t>
             </a:r>
-            <a:endParaRPr lang="en-US" smtClean="0"/>
           </a:p>
           <a:p>
             <a:pPr lvl="1"/>
             <a:r>
-              <a:rPr lang="en-US" smtClean="0"/>
+              <a:rPr lang="en-US"/>
               <a:t>Second level</a:t>
             </a:r>
-            <a:endParaRPr lang="en-US" smtClean="0"/>
           </a:p>
           <a:p>
             <a:pPr lvl="2"/>
             <a:r>
-              <a:rPr lang="en-US" smtClean="0"/>
+              <a:rPr lang="en-US"/>
               <a:t>Third level</a:t>
             </a:r>
-            <a:endParaRPr lang="en-US" smtClean="0"/>
           </a:p>
           <a:p>
             <a:pPr lvl="3"/>
             <a:r>
-              <a:rPr lang="en-US" smtClean="0"/>
+              <a:rPr lang="en-US"/>
               <a:t>Fourth level</a:t>
             </a:r>
-            <a:endParaRPr lang="en-US" smtClean="0"/>
           </a:p>
           <a:p>
             <a:pPr lvl="4"/>
             <a:r>
-              <a:rPr lang="en-US" smtClean="0"/>
+              <a:rPr lang="en-US"/>
               <a:t>Fifth level</a:t>
             </a:r>
-            <a:endParaRPr lang="en-US"/>
           </a:p>
         </p:txBody>
       </p:sp>
@@ -374,6 +386,7 @@
           <a:p>
             <a:fld id="{21B2AA4F-B828-4D7C-AFD3-893933DAFCB4}" type="slidenum">
               <a:rPr lang="en-US" smtClean="0"/>
+              <a:t>‹#›</a:t>
             </a:fld>
             <a:endParaRPr lang="en-US"/>
           </a:p>
@@ -526,7 +539,9 @@
               </a:defRPr>
             </a:lvl1pPr>
           </a:lstStyle>
-          <a:p/>
+          <a:p>
+            <a:endParaRPr/>
+          </a:p>
         </p:txBody>
       </p:sp>
       <p:sp>
@@ -557,7 +572,9 @@
               <a:defRPr/>
             </a:lvl1pPr>
           </a:lstStyle>
-          <a:p/>
+          <a:p>
+            <a:endParaRPr/>
+          </a:p>
         </p:txBody>
       </p:sp>
       <p:sp>
@@ -584,7 +601,9 @@
               </a:defRPr>
             </a:lvl1pPr>
           </a:lstStyle>
-          <a:p/>
+          <a:p>
+            <a:endParaRPr/>
+          </a:p>
         </p:txBody>
       </p:sp>
       <p:sp>
@@ -614,6 +633,7 @@
           <a:p>
             <a:fld id="{1D8BD707-D9CF-40AE-B4C6-C98DA3205C09}" type="datetimeFigureOut">
               <a:rPr lang="en-US"/>
+              <a:t>8/18/2023</a:t>
             </a:fld>
             <a:endParaRPr lang="en-US"/>
           </a:p>
@@ -646,6 +666,7 @@
           <a:p>
             <a:fld id="{B6F15528-21DE-4FAA-801E-634DDDAF4B2B}" type="slidenum">
               <a:rPr/>
+              <a:t>‹#›</a:t>
             </a:fld>
             <a:endParaRPr/>
           </a:p>
@@ -701,7 +722,9 @@
               </a:defRPr>
             </a:lvl1pPr>
           </a:lstStyle>
-          <a:p/>
+          <a:p>
+            <a:endParaRPr/>
+          </a:p>
         </p:txBody>
       </p:sp>
       <p:sp>
@@ -728,7 +751,9 @@
               </a:defRPr>
             </a:lvl1pPr>
           </a:lstStyle>
-          <a:p/>
+          <a:p>
+            <a:endParaRPr/>
+          </a:p>
         </p:txBody>
       </p:sp>
       <p:sp>
@@ -755,7 +780,9 @@
               </a:defRPr>
             </a:lvl1pPr>
           </a:lstStyle>
-          <a:p/>
+          <a:p>
+            <a:endParaRPr/>
+          </a:p>
         </p:txBody>
       </p:sp>
       <p:sp>
@@ -785,6 +812,7 @@
           <a:p>
             <a:fld id="{1D8BD707-D9CF-40AE-B4C6-C98DA3205C09}" type="datetimeFigureOut">
               <a:rPr lang="en-US"/>
+              <a:t>8/18/2023</a:t>
             </a:fld>
             <a:endParaRPr lang="en-US"/>
           </a:p>
@@ -817,6 +845,7 @@
           <a:p>
             <a:fld id="{B6F15528-21DE-4FAA-801E-634DDDAF4B2B}" type="slidenum">
               <a:rPr/>
+              <a:t>‹#›</a:t>
             </a:fld>
             <a:endParaRPr/>
           </a:p>
@@ -832,7 +861,7 @@
 </file>
 
 <file path=ppt/slideLayouts/slideLayout3.xml><?xml version="1.0" encoding="utf-8"?>
-<p:sldLayout xmlns:a="http://schemas.openxmlformats.org/drawingml/2006/main" xmlns:r="http://schemas.openxmlformats.org/officeDocument/2006/relationships" xmlns:p="http://schemas.openxmlformats.org/presentationml/2006/main" type="obj" preserve="1" showMasterSp="0">
+<p:sldLayout xmlns:a="http://schemas.openxmlformats.org/drawingml/2006/main" xmlns:r="http://schemas.openxmlformats.org/officeDocument/2006/relationships" xmlns:p="http://schemas.openxmlformats.org/presentationml/2006/main" showMasterSp="0" type="obj" preserve="1">
   <p:cSld name="Two Content">
     <p:bg>
       <p:bgPr>
@@ -901,7 +930,9 @@
         <p:txBody>
           <a:bodyPr wrap="square" lIns="0" tIns="0" rIns="0" bIns="0" rtlCol="0"/>
           <a:lstStyle/>
-          <a:p/>
+          <a:p>
+            <a:endParaRPr/>
+          </a:p>
         </p:txBody>
       </p:sp>
       <p:sp>
@@ -928,7 +959,9 @@
               </a:defRPr>
             </a:lvl1pPr>
           </a:lstStyle>
-          <a:p/>
+          <a:p>
+            <a:endParaRPr/>
+          </a:p>
         </p:txBody>
       </p:sp>
       <p:sp>
@@ -959,7 +992,9 @@
               <a:defRPr/>
             </a:lvl1pPr>
           </a:lstStyle>
-          <a:p/>
+          <a:p>
+            <a:endParaRPr/>
+          </a:p>
         </p:txBody>
       </p:sp>
       <p:sp>
@@ -990,7 +1025,9 @@
               <a:defRPr/>
             </a:lvl1pPr>
           </a:lstStyle>
-          <a:p/>
+          <a:p>
+            <a:endParaRPr/>
+          </a:p>
         </p:txBody>
       </p:sp>
       <p:sp>
@@ -1017,7 +1054,9 @@
               </a:defRPr>
             </a:lvl1pPr>
           </a:lstStyle>
-          <a:p/>
+          <a:p>
+            <a:endParaRPr/>
+          </a:p>
         </p:txBody>
       </p:sp>
       <p:sp>
@@ -1047,6 +1086,7 @@
           <a:p>
             <a:fld id="{1D8BD707-D9CF-40AE-B4C6-C98DA3205C09}" type="datetimeFigureOut">
               <a:rPr lang="en-US"/>
+              <a:t>8/18/2023</a:t>
             </a:fld>
             <a:endParaRPr lang="en-US"/>
           </a:p>
@@ -1079,6 +1119,7 @@
           <a:p>
             <a:fld id="{B6F15528-21DE-4FAA-801E-634DDDAF4B2B}" type="slidenum">
               <a:rPr/>
+              <a:t>‹#›</a:t>
             </a:fld>
             <a:endParaRPr/>
           </a:p>
@@ -1134,7 +1175,9 @@
               </a:defRPr>
             </a:lvl1pPr>
           </a:lstStyle>
-          <a:p/>
+          <a:p>
+            <a:endParaRPr/>
+          </a:p>
         </p:txBody>
       </p:sp>
       <p:sp>
@@ -1161,7 +1204,9 @@
               </a:defRPr>
             </a:lvl1pPr>
           </a:lstStyle>
-          <a:p/>
+          <a:p>
+            <a:endParaRPr/>
+          </a:p>
         </p:txBody>
       </p:sp>
       <p:sp>
@@ -1191,6 +1236,7 @@
           <a:p>
             <a:fld id="{1D8BD707-D9CF-40AE-B4C6-C98DA3205C09}" type="datetimeFigureOut">
               <a:rPr lang="en-US"/>
+              <a:t>8/18/2023</a:t>
             </a:fld>
             <a:endParaRPr lang="en-US"/>
           </a:p>
@@ -1223,6 +1269,7 @@
           <a:p>
             <a:fld id="{B6F15528-21DE-4FAA-801E-634DDDAF4B2B}" type="slidenum">
               <a:rPr/>
+              <a:t>‹#›</a:t>
             </a:fld>
             <a:endParaRPr/>
           </a:p>
@@ -1238,7 +1285,7 @@
 </file>
 
 <file path=ppt/slideLayouts/slideLayout5.xml><?xml version="1.0" encoding="utf-8"?>
-<p:sldLayout xmlns:a="http://schemas.openxmlformats.org/drawingml/2006/main" xmlns:r="http://schemas.openxmlformats.org/officeDocument/2006/relationships" xmlns:p="http://schemas.openxmlformats.org/presentationml/2006/main" type="obj" preserve="1" showMasterSp="0">
+<p:sldLayout xmlns:a="http://schemas.openxmlformats.org/drawingml/2006/main" xmlns:r="http://schemas.openxmlformats.org/officeDocument/2006/relationships" xmlns:p="http://schemas.openxmlformats.org/presentationml/2006/main" showMasterSp="0" type="obj" preserve="1">
   <p:cSld name="Blank">
     <p:bg>
       <p:bgPr>
@@ -1307,7 +1354,9 @@
         <p:txBody>
           <a:bodyPr wrap="square" lIns="0" tIns="0" rIns="0" bIns="0" rtlCol="0"/>
           <a:lstStyle/>
-          <a:p/>
+          <a:p>
+            <a:endParaRPr/>
+          </a:p>
         </p:txBody>
       </p:sp>
       <p:sp>
@@ -1334,7 +1383,9 @@
               </a:defRPr>
             </a:lvl1pPr>
           </a:lstStyle>
-          <a:p/>
+          <a:p>
+            <a:endParaRPr/>
+          </a:p>
         </p:txBody>
       </p:sp>
       <p:sp>
@@ -1364,6 +1415,7 @@
           <a:p>
             <a:fld id="{1D8BD707-D9CF-40AE-B4C6-C98DA3205C09}" type="datetimeFigureOut">
               <a:rPr lang="en-US"/>
+              <a:t>8/18/2023</a:t>
             </a:fld>
             <a:endParaRPr lang="en-US"/>
           </a:p>
@@ -1396,6 +1448,7 @@
           <a:p>
             <a:fld id="{B6F15528-21DE-4FAA-801E-634DDDAF4B2B}" type="slidenum">
               <a:rPr/>
+              <a:t>‹#›</a:t>
             </a:fld>
             <a:endParaRPr/>
           </a:p>
@@ -1469,7 +1522,9 @@
               </a:defRPr>
             </a:lvl1pPr>
           </a:lstStyle>
-          <a:p/>
+          <a:p>
+            <a:endParaRPr/>
+          </a:p>
         </p:txBody>
       </p:sp>
       <p:sp>
@@ -1506,7 +1561,9 @@
               </a:defRPr>
             </a:lvl1pPr>
           </a:lstStyle>
-          <a:p/>
+          <a:p>
+            <a:endParaRPr/>
+          </a:p>
         </p:txBody>
       </p:sp>
       <p:sp>
@@ -1543,7 +1600,9 @@
               </a:defRPr>
             </a:lvl1pPr>
           </a:lstStyle>
-          <a:p/>
+          <a:p>
+            <a:endParaRPr/>
+          </a:p>
         </p:txBody>
       </p:sp>
       <p:sp>
@@ -1583,6 +1642,7 @@
           <a:p>
             <a:fld id="{1D8BD707-D9CF-40AE-B4C6-C98DA3205C09}" type="datetimeFigureOut">
               <a:rPr lang="en-US"/>
+              <a:t>8/18/2023</a:t>
             </a:fld>
             <a:endParaRPr lang="en-US"/>
           </a:p>
@@ -1625,6 +1685,7 @@
           <a:p>
             <a:fld id="{B6F15528-21DE-4FAA-801E-634DDDAF4B2B}" type="slidenum">
               <a:rPr/>
+              <a:t>‹#›</a:t>
             </a:fld>
             <a:endParaRPr/>
           </a:p>
@@ -1809,7 +1870,7 @@
           <p:nvPr/>
         </p:nvPicPr>
         <p:blipFill>
-          <a:blip r:embed="rId1" cstate="print"/>
+          <a:blip r:embed="rId2" cstate="print"/>
           <a:stretch>
             <a:fillRect/>
           </a:stretch>
@@ -2042,9 +2103,11 @@
         <p:spPr/>
         <p:txBody>
           <a:bodyPr/>
+          <a:lstStyle/>
           <a:p>
             <a:fld id="{B6F15528-21DE-4FAA-801E-634DDDAF4B2B}" type="slidenum">
               <a:rPr/>
+              <a:t>1</a:t>
             </a:fld>
             <a:endParaRPr/>
           </a:p>
@@ -2190,17 +2253,7 @@
                 <a:latin typeface="Verdana" panose="020B0604030504040204"/>
                 <a:cs typeface="Verdana" panose="020B0604030504040204"/>
               </a:rPr>
-              <a:t>El</a:t>
-            </a:r>
-            <a:r>
-              <a:rPr sz="2000" spc="25" dirty="0">
-                <a:solidFill>
-                  <a:srgbClr val="FFFFFF"/>
-                </a:solidFill>
-                <a:latin typeface="Verdana" panose="020B0604030504040204"/>
-                <a:cs typeface="Verdana" panose="020B0604030504040204"/>
-              </a:rPr>
-              <a:t>gno</a:t>
+              <a:t>Elgno</a:t>
             </a:r>
             <a:r>
               <a:rPr sz="2000" spc="-30" dirty="0">
@@ -2270,17 +2323,7 @@
                 <a:latin typeface="Verdana" panose="020B0604030504040204"/>
                 <a:cs typeface="Verdana" panose="020B0604030504040204"/>
               </a:rPr>
-              <a:t>ue</a:t>
-            </a:r>
-            <a:r>
-              <a:rPr sz="2000" spc="-30" dirty="0">
-                <a:solidFill>
-                  <a:srgbClr val="FFFFFF"/>
-                </a:solidFill>
-                <a:latin typeface="Verdana" panose="020B0604030504040204"/>
-                <a:cs typeface="Verdana" panose="020B0604030504040204"/>
-              </a:rPr>
-              <a:t>"</a:t>
+              <a:t>ue"</a:t>
             </a:r>
             <a:r>
               <a:rPr sz="2000" spc="-490" dirty="0">
@@ -3412,11 +3455,6 @@
               </a:rPr>
               <a:t>Attributes</a:t>
             </a:r>
-            <a:endParaRPr spc="10" dirty="0">
-              <a:solidFill>
-                <a:srgbClr val="1A1A1A"/>
-              </a:solidFill>
-            </a:endParaRPr>
           </a:p>
         </p:txBody>
       </p:sp>
@@ -3676,9 +3714,11 @@
         <p:spPr/>
         <p:txBody>
           <a:bodyPr/>
+          <a:lstStyle/>
           <a:p>
             <a:fld id="{B6F15528-21DE-4FAA-801E-634DDDAF4B2B}" type="slidenum">
               <a:rPr/>
+              <a:t>10</a:t>
             </a:fld>
             <a:endParaRPr/>
           </a:p>
@@ -3754,7 +3794,9 @@
         <p:txBody>
           <a:bodyPr wrap="square" lIns="0" tIns="0" rIns="0" bIns="0" rtlCol="0"/>
           <a:lstStyle/>
-          <a:p/>
+          <a:p>
+            <a:endParaRPr/>
+          </a:p>
         </p:txBody>
       </p:sp>
       <p:sp>
@@ -3799,13 +3841,6 @@
               </a:rPr>
               <a:t>Buffer</a:t>
             </a:r>
-            <a:endParaRPr sz="2400" spc="-35" dirty="0">
-              <a:solidFill>
-                <a:srgbClr val="2A9FBC"/>
-              </a:solidFill>
-              <a:latin typeface="Verdana" panose="020B0604030504040204"/>
-              <a:cs typeface="Verdana" panose="020B0604030504040204"/>
-            </a:endParaRPr>
           </a:p>
           <a:p>
             <a:pPr marL="617220" marR="701675" indent="-635" algn="ctr">
@@ -3966,13 +4001,6 @@
               </a:rPr>
               <a:t>&gt;</a:t>
             </a:r>
-            <a:endParaRPr sz="2000" spc="-385" dirty="0">
-              <a:solidFill>
-                <a:schemeClr val="tx1"/>
-              </a:solidFill>
-              <a:latin typeface="Verdana" panose="020B0604030504040204"/>
-              <a:cs typeface="Verdana" panose="020B0604030504040204"/>
-            </a:endParaRPr>
           </a:p>
         </p:txBody>
       </p:sp>
@@ -4679,11 +4707,6 @@
               </a:rPr>
               <a:t>Attributes</a:t>
             </a:r>
-            <a:endParaRPr spc="10" dirty="0">
-              <a:solidFill>
-                <a:srgbClr val="3E3E3E"/>
-              </a:solidFill>
-            </a:endParaRPr>
           </a:p>
         </p:txBody>
       </p:sp>
@@ -4814,9 +4837,11 @@
         <p:spPr/>
         <p:txBody>
           <a:bodyPr/>
+          <a:lstStyle/>
           <a:p>
             <a:fld id="{B6F15528-21DE-4FAA-801E-634DDDAF4B2B}" type="slidenum">
               <a:rPr/>
+              <a:t>11</a:t>
             </a:fld>
             <a:endParaRPr/>
           </a:p>
@@ -4854,7 +4879,7 @@
           <p:nvPr/>
         </p:nvPicPr>
         <p:blipFill>
-          <a:blip r:embed="rId1" cstate="print"/>
+          <a:blip r:embed="rId2" cstate="print"/>
           <a:stretch>
             <a:fillRect/>
           </a:stretch>
@@ -4906,9 +4931,9 @@
                 <a:latin typeface="Verdana" panose="020B0604030504040204"/>
                 <a:cs typeface="Verdana" panose="020B0604030504040204"/>
               </a:rPr>
-              <a:t>Assisted Practice</a:t>
-            </a:r>
-            <a:endParaRPr lang="en-US" sz="3600">
+              <a:t>Demo</a:t>
+            </a:r>
+            <a:endParaRPr lang="en-US" sz="3600" dirty="0">
               <a:latin typeface="Verdana" panose="020B0604030504040204"/>
               <a:cs typeface="Verdana" panose="020B0604030504040204"/>
             </a:endParaRPr>
@@ -4994,9 +5019,11 @@
         <p:spPr/>
         <p:txBody>
           <a:bodyPr/>
+          <a:lstStyle/>
           <a:p>
             <a:fld id="{B6F15528-21DE-4FAA-801E-634DDDAF4B2B}" type="slidenum">
               <a:rPr/>
+              <a:t>12</a:t>
             </a:fld>
             <a:endParaRPr/>
           </a:p>
@@ -5019,7 +5046,14 @@
         <p:cNvGrpSpPr/>
         <p:nvPr/>
       </p:nvGrpSpPr>
-      <p:grpSpPr/>
+      <p:grpSpPr>
+        <a:xfrm>
+          <a:off x="0" y="0"/>
+          <a:ext cx="0" cy="0"/>
+          <a:chOff x="0" y="0"/>
+          <a:chExt cx="0" cy="0"/>
+        </a:xfrm>
+      </p:grpSpPr>
       <p:sp>
         <p:nvSpPr>
           <p:cNvPr id="2" name="Title 1"/>
@@ -5033,6 +5067,7 @@
         <p:spPr/>
         <p:txBody>
           <a:bodyPr/>
+          <a:lstStyle/>
           <a:p>
             <a:endParaRPr lang="en-US"/>
           </a:p>
@@ -5051,6 +5086,7 @@
         <p:spPr/>
         <p:txBody>
           <a:bodyPr/>
+          <a:lstStyle/>
           <a:p>
             <a:endParaRPr lang="en-US"/>
           </a:p>
@@ -5069,9 +5105,11 @@
         <p:spPr/>
         <p:txBody>
           <a:bodyPr/>
+          <a:lstStyle/>
           <a:p>
             <a:fld id="{B6F15528-21DE-4FAA-801E-634DDDAF4B2B}" type="slidenum">
               <a:rPr/>
+              <a:t>13</a:t>
             </a:fld>
             <a:endParaRPr/>
           </a:p>
@@ -5091,12 +5129,12 @@
           <a:graphicData uri="http://schemas.openxmlformats.org/presentationml/2006/ole">
             <mc:AlternateContent xmlns:mc="http://schemas.openxmlformats.org/markup-compatibility/2006">
               <mc:Choice xmlns:v="urn:schemas-microsoft-com:vml" Requires="v">
-                <p:oleObj spid="_x0000_s6" name="" r:id="rId1" imgW="10134600" imgH="5105400" progId="Paint.Picture">
+                <p:oleObj r:id="rId2" imgW="10134600" imgH="5105400" progId="Paint.Picture">
                   <p:embed/>
                 </p:oleObj>
               </mc:Choice>
               <mc:Fallback>
-                <p:oleObj name="" r:id="rId1" imgW="10134600" imgH="5105400" progId="Paint.Picture">
+                <p:oleObj r:id="rId2" imgW="10134600" imgH="5105400" progId="Paint.Picture">
                   <p:embed/>
                   <p:pic>
                     <p:nvPicPr>
@@ -5105,7 +5143,7 @@
                       <p:nvPr/>
                     </p:nvPicPr>
                     <p:blipFill>
-                      <a:blip r:embed="rId2"/>
+                      <a:blip r:embed="rId3"/>
                       <a:stretch>
                         <a:fillRect/>
                       </a:stretch>
@@ -5158,7 +5196,7 @@
           <p:nvPr/>
         </p:nvPicPr>
         <p:blipFill>
-          <a:blip r:embed="rId1" cstate="print"/>
+          <a:blip r:embed="rId2" cstate="print"/>
           <a:stretch>
             <a:fillRect/>
           </a:stretch>
@@ -5247,9 +5285,11 @@
         <p:spPr/>
         <p:txBody>
           <a:bodyPr/>
+          <a:lstStyle/>
           <a:p>
             <a:fld id="{B6F15528-21DE-4FAA-801E-634DDDAF4B2B}" type="slidenum">
               <a:rPr/>
+              <a:t>14</a:t>
             </a:fld>
             <a:endParaRPr/>
           </a:p>
@@ -5945,9 +5985,11 @@
         <p:spPr/>
         <p:txBody>
           <a:bodyPr/>
+          <a:lstStyle/>
           <a:p>
             <a:fld id="{B6F15528-21DE-4FAA-801E-634DDDAF4B2B}" type="slidenum">
               <a:rPr/>
+              <a:t>15</a:t>
             </a:fld>
             <a:endParaRPr/>
           </a:p>
@@ -6023,7 +6065,9 @@
         <p:txBody>
           <a:bodyPr wrap="square" lIns="0" tIns="0" rIns="0" bIns="0" rtlCol="0"/>
           <a:lstStyle/>
-          <a:p/>
+          <a:p>
+            <a:endParaRPr/>
+          </a:p>
         </p:txBody>
       </p:sp>
       <p:sp>
@@ -6193,15 +6237,7 @@
                   <a:srgbClr val="FFFFFF"/>
                 </a:solidFill>
               </a:rPr>
-              <a:t>f</a:t>
-            </a:r>
-            <a:r>
-              <a:rPr dirty="0">
-                <a:solidFill>
-                  <a:srgbClr val="FFFFFF"/>
-                </a:solidFill>
-              </a:rPr>
-              <a:t>i</a:t>
+              <a:t>fi</a:t>
             </a:r>
             <a:r>
               <a:rPr spc="-40" dirty="0">
@@ -6259,11 +6295,6 @@
               </a:rPr>
               <a:t>%&gt;</a:t>
             </a:r>
-            <a:endParaRPr spc="-525" dirty="0">
-              <a:solidFill>
-                <a:srgbClr val="F15B2A"/>
-              </a:solidFill>
-            </a:endParaRPr>
           </a:p>
         </p:txBody>
       </p:sp>
@@ -6454,17 +6485,7 @@
                 <a:latin typeface="Verdana" panose="020B0604030504040204"/>
                 <a:cs typeface="Verdana" panose="020B0604030504040204"/>
               </a:rPr>
-              <a:t>"</a:t>
-            </a:r>
-            <a:r>
-              <a:rPr sz="2400" spc="-50" dirty="0">
-                <a:solidFill>
-                  <a:srgbClr val="FFFFFF"/>
-                </a:solidFill>
-                <a:latin typeface="Verdana" panose="020B0604030504040204"/>
-                <a:cs typeface="Verdana" panose="020B0604030504040204"/>
-              </a:rPr>
-              <a:t>h</a:t>
+              <a:t>"h</a:t>
             </a:r>
             <a:r>
               <a:rPr sz="2400" spc="-15" dirty="0">
@@ -6746,9 +6767,11 @@
         <p:spPr/>
         <p:txBody>
           <a:bodyPr/>
+          <a:lstStyle/>
           <a:p>
             <a:fld id="{B6F15528-21DE-4FAA-801E-634DDDAF4B2B}" type="slidenum">
               <a:rPr/>
+              <a:t>16</a:t>
             </a:fld>
             <a:endParaRPr/>
           </a:p>
@@ -6771,7 +6794,14 @@
         <p:cNvGrpSpPr/>
         <p:nvPr/>
       </p:nvGrpSpPr>
-      <p:grpSpPr/>
+      <p:grpSpPr>
+        <a:xfrm>
+          <a:off x="0" y="0"/>
+          <a:ext cx="0" cy="0"/>
+          <a:chOff x="0" y="0"/>
+          <a:chExt cx="0" cy="0"/>
+        </a:xfrm>
+      </p:grpSpPr>
       <p:sp>
         <p:nvSpPr>
           <p:cNvPr id="2" name="Title 1"/>
@@ -6785,6 +6815,7 @@
         <p:spPr/>
         <p:txBody>
           <a:bodyPr/>
+          <a:lstStyle/>
           <a:p>
             <a:endParaRPr lang="en-US"/>
           </a:p>
@@ -6803,6 +6834,7 @@
         <p:spPr/>
         <p:txBody>
           <a:bodyPr/>
+          <a:lstStyle/>
           <a:p>
             <a:endParaRPr lang="en-US"/>
           </a:p>
@@ -6821,9 +6853,11 @@
         <p:spPr/>
         <p:txBody>
           <a:bodyPr/>
+          <a:lstStyle/>
           <a:p>
             <a:fld id="{B6F15528-21DE-4FAA-801E-634DDDAF4B2B}" type="slidenum">
               <a:rPr/>
+              <a:t>17</a:t>
             </a:fld>
             <a:endParaRPr/>
           </a:p>
@@ -6843,12 +6877,12 @@
           <a:graphicData uri="http://schemas.openxmlformats.org/presentationml/2006/ole">
             <mc:AlternateContent xmlns:mc="http://schemas.openxmlformats.org/markup-compatibility/2006">
               <mc:Choice xmlns:v="urn:schemas-microsoft-com:vml" Requires="v">
-                <p:oleObj spid="_x0000_s6" name="" r:id="rId1" imgW="10172700" imgH="4933950" progId="Paint.Picture">
+                <p:oleObj r:id="rId2" imgW="10172700" imgH="4933950" progId="Paint.Picture">
                   <p:embed/>
                 </p:oleObj>
               </mc:Choice>
               <mc:Fallback>
-                <p:oleObj name="" r:id="rId1" imgW="10172700" imgH="4933950" progId="Paint.Picture">
+                <p:oleObj r:id="rId2" imgW="10172700" imgH="4933950" progId="Paint.Picture">
                   <p:embed/>
                   <p:pic>
                     <p:nvPicPr>
@@ -6857,7 +6891,7 @@
                       <p:nvPr/>
                     </p:nvPicPr>
                     <p:blipFill>
-                      <a:blip r:embed="rId2"/>
+                      <a:blip r:embed="rId3"/>
                       <a:stretch>
                         <a:fillRect/>
                       </a:stretch>
@@ -7678,7 +7712,7 @@
           <p:nvPr/>
         </p:nvPicPr>
         <p:blipFill>
-          <a:blip r:embed="rId1" cstate="print"/>
+          <a:blip r:embed="rId2" cstate="print"/>
           <a:stretch>
             <a:fillRect/>
           </a:stretch>
@@ -7706,9 +7740,11 @@
         <p:spPr/>
         <p:txBody>
           <a:bodyPr/>
+          <a:lstStyle/>
           <a:p>
             <a:fld id="{B6F15528-21DE-4FAA-801E-634DDDAF4B2B}" type="slidenum">
               <a:rPr/>
+              <a:t>18</a:t>
             </a:fld>
             <a:endParaRPr/>
           </a:p>
@@ -7746,7 +7782,7 @@
           <p:nvPr/>
         </p:nvPicPr>
         <p:blipFill>
-          <a:blip r:embed="rId1" cstate="print"/>
+          <a:blip r:embed="rId2" cstate="print"/>
           <a:stretch>
             <a:fillRect/>
           </a:stretch>
@@ -7840,9 +7876,11 @@
         <p:spPr/>
         <p:txBody>
           <a:bodyPr/>
+          <a:lstStyle/>
           <a:p>
             <a:fld id="{B6F15528-21DE-4FAA-801E-634DDDAF4B2B}" type="slidenum">
               <a:rPr/>
+              <a:t>19</a:t>
             </a:fld>
             <a:endParaRPr/>
           </a:p>
@@ -7857,7 +7895,7 @@
         <p:spPr>
           <a:xfrm>
             <a:off x="598170" y="1917065"/>
-            <a:ext cx="4037330" cy="566420"/>
+            <a:ext cx="4037330" cy="566822"/>
           </a:xfrm>
           <a:prstGeom prst="rect">
             <a:avLst/>
@@ -7867,6 +7905,7 @@
           <a:bodyPr vert="horz" wrap="square" lIns="0" tIns="12700" rIns="0" bIns="0" rtlCol="0">
             <a:spAutoFit/>
           </a:bodyPr>
+          <a:lstStyle/>
           <a:p>
             <a:pPr marL="12700" algn="ctr">
               <a:lnSpc>
@@ -7884,9 +7923,9 @@
                 <a:latin typeface="Verdana" panose="020B0604030504040204"/>
                 <a:cs typeface="Verdana" panose="020B0604030504040204"/>
               </a:rPr>
-              <a:t>Assisted Practice</a:t>
-            </a:r>
-            <a:endParaRPr lang="en-US" sz="3600">
+              <a:t>Demo</a:t>
+            </a:r>
+            <a:endParaRPr lang="en-US" sz="3600" dirty="0">
               <a:latin typeface="Verdana" panose="020B0604030504040204"/>
               <a:cs typeface="Verdana" panose="020B0604030504040204"/>
             </a:endParaRPr>
@@ -8103,7 +8142,6 @@
               <a:rPr spc="-75" dirty="0"/>
               <a:t>phase.</a:t>
             </a:r>
-            <a:endParaRPr spc="-75" dirty="0"/>
           </a:p>
         </p:txBody>
       </p:sp>
@@ -8245,9 +8283,11 @@
         <p:spPr/>
         <p:txBody>
           <a:bodyPr/>
+          <a:lstStyle/>
           <a:p>
             <a:fld id="{B6F15528-21DE-4FAA-801E-634DDDAF4B2B}" type="slidenum">
               <a:rPr/>
+              <a:t>2</a:t>
             </a:fld>
             <a:endParaRPr/>
           </a:p>
@@ -8285,7 +8325,7 @@
           <p:nvPr/>
         </p:nvPicPr>
         <p:blipFill>
-          <a:blip r:embed="rId1" cstate="print"/>
+          <a:blip r:embed="rId2" cstate="print"/>
           <a:stretch>
             <a:fillRect/>
           </a:stretch>
@@ -8347,15 +8387,7 @@
                   <a:srgbClr val="101010"/>
                 </a:solidFill>
               </a:rPr>
-              <a:t>t</a:t>
-            </a:r>
-            <a:r>
-              <a:rPr sz="3600" spc="-135" dirty="0">
-                <a:solidFill>
-                  <a:srgbClr val="101010"/>
-                </a:solidFill>
-              </a:rPr>
-              <a:t>a</a:t>
+              <a:t>ta</a:t>
             </a:r>
             <a:r>
               <a:rPr sz="3600" spc="-45" dirty="0">
@@ -8486,9 +8518,11 @@
         <p:spPr/>
         <p:txBody>
           <a:bodyPr/>
+          <a:lstStyle/>
           <a:p>
             <a:fld id="{B6F15528-21DE-4FAA-801E-634DDDAF4B2B}" type="slidenum">
               <a:rPr/>
+              <a:t>20</a:t>
             </a:fld>
             <a:endParaRPr/>
           </a:p>
@@ -8556,7 +8590,9 @@
         <p:txBody>
           <a:bodyPr wrap="square" lIns="0" tIns="0" rIns="0" bIns="0" rtlCol="0"/>
           <a:lstStyle/>
-          <a:p/>
+          <a:p>
+            <a:endParaRPr/>
+          </a:p>
         </p:txBody>
       </p:sp>
       <p:sp>
@@ -8616,7 +8652,6 @@
               <a:rPr spc="15" dirty="0"/>
               <a:t>tags</a:t>
             </a:r>
-            <a:endParaRPr spc="15" dirty="0"/>
           </a:p>
           <a:p>
             <a:pPr marL="3444240" marR="5080">
@@ -8700,7 +8735,6 @@
               <a:rPr spc="15" dirty="0"/>
               <a:t>tags</a:t>
             </a:r>
-            <a:endParaRPr spc="15" dirty="0"/>
           </a:p>
         </p:txBody>
       </p:sp>
@@ -8893,9 +8927,11 @@
         <p:spPr/>
         <p:txBody>
           <a:bodyPr/>
+          <a:lstStyle/>
           <a:p>
             <a:fld id="{B6F15528-21DE-4FAA-801E-634DDDAF4B2B}" type="slidenum">
               <a:rPr/>
+              <a:t>21</a:t>
             </a:fld>
             <a:endParaRPr/>
           </a:p>
@@ -8971,7 +9007,9 @@
         <p:txBody>
           <a:bodyPr wrap="square" lIns="0" tIns="0" rIns="0" bIns="0" rtlCol="0"/>
           <a:lstStyle/>
-          <a:p/>
+          <a:p>
+            <a:endParaRPr/>
+          </a:p>
         </p:txBody>
       </p:sp>
       <p:sp>
@@ -9506,9 +9544,11 @@
         <p:spPr/>
         <p:txBody>
           <a:bodyPr/>
+          <a:lstStyle/>
           <a:p>
             <a:fld id="{B6F15528-21DE-4FAA-801E-634DDDAF4B2B}" type="slidenum">
               <a:rPr/>
+              <a:t>22</a:t>
             </a:fld>
             <a:endParaRPr/>
           </a:p>
@@ -9546,7 +9586,7 @@
           <p:nvPr/>
         </p:nvPicPr>
         <p:blipFill>
-          <a:blip r:embed="rId1" cstate="print"/>
+          <a:blip r:embed="rId2" cstate="print"/>
           <a:stretch>
             <a:fillRect/>
           </a:stretch>
@@ -9807,9 +9847,11 @@
         <p:spPr/>
         <p:txBody>
           <a:bodyPr/>
+          <a:lstStyle/>
           <a:p>
             <a:fld id="{B6F15528-21DE-4FAA-801E-634DDDAF4B2B}" type="slidenum">
               <a:rPr/>
+              <a:t>23</a:t>
             </a:fld>
             <a:endParaRPr/>
           </a:p>
@@ -9832,7 +9874,14 @@
         <p:cNvGrpSpPr/>
         <p:nvPr/>
       </p:nvGrpSpPr>
-      <p:grpSpPr/>
+      <p:grpSpPr>
+        <a:xfrm>
+          <a:off x="0" y="0"/>
+          <a:ext cx="0" cy="0"/>
+          <a:chOff x="0" y="0"/>
+          <a:chExt cx="0" cy="0"/>
+        </a:xfrm>
+      </p:grpSpPr>
       <p:sp>
         <p:nvSpPr>
           <p:cNvPr id="2" name="Title 1"/>
@@ -9846,6 +9895,7 @@
         <p:spPr/>
         <p:txBody>
           <a:bodyPr/>
+          <a:lstStyle/>
           <a:p>
             <a:endParaRPr lang="en-US"/>
           </a:p>
@@ -9864,6 +9914,7 @@
         <p:spPr/>
         <p:txBody>
           <a:bodyPr/>
+          <a:lstStyle/>
           <a:p>
             <a:endParaRPr lang="en-US"/>
           </a:p>
@@ -9882,9 +9933,11 @@
         <p:spPr/>
         <p:txBody>
           <a:bodyPr/>
+          <a:lstStyle/>
           <a:p>
             <a:fld id="{B6F15528-21DE-4FAA-801E-634DDDAF4B2B}" type="slidenum">
               <a:rPr/>
+              <a:t>24</a:t>
             </a:fld>
             <a:endParaRPr/>
           </a:p>
@@ -9904,12 +9957,12 @@
           <a:graphicData uri="http://schemas.openxmlformats.org/presentationml/2006/ole">
             <mc:AlternateContent xmlns:mc="http://schemas.openxmlformats.org/markup-compatibility/2006">
               <mc:Choice xmlns:v="urn:schemas-microsoft-com:vml" Requires="v">
-                <p:oleObj spid="_x0000_s6" name="" r:id="rId1" imgW="10487025" imgH="5057775" progId="Paint.Picture">
+                <p:oleObj r:id="rId2" imgW="10487025" imgH="5057775" progId="Paint.Picture">
                   <p:embed/>
                 </p:oleObj>
               </mc:Choice>
               <mc:Fallback>
-                <p:oleObj name="" r:id="rId1" imgW="10487025" imgH="5057775" progId="Paint.Picture">
+                <p:oleObj r:id="rId2" imgW="10487025" imgH="5057775" progId="Paint.Picture">
                   <p:embed/>
                   <p:pic>
                     <p:nvPicPr>
@@ -9918,7 +9971,7 @@
                       <p:nvPr/>
                     </p:nvPicPr>
                     <p:blipFill>
-                      <a:blip r:embed="rId2"/>
+                      <a:blip r:embed="rId3"/>
                       <a:stretch>
                         <a:fillRect/>
                       </a:stretch>
@@ -9971,7 +10024,7 @@
           <p:nvPr/>
         </p:nvPicPr>
         <p:blipFill>
-          <a:blip r:embed="rId1" cstate="print"/>
+          <a:blip r:embed="rId2" cstate="print"/>
           <a:stretch>
             <a:fillRect/>
           </a:stretch>
@@ -10255,9 +10308,11 @@
         <p:spPr/>
         <p:txBody>
           <a:bodyPr/>
+          <a:lstStyle/>
           <a:p>
             <a:fld id="{B6F15528-21DE-4FAA-801E-634DDDAF4B2B}" type="slidenum">
               <a:rPr/>
+              <a:t>3</a:t>
             </a:fld>
             <a:endParaRPr/>
           </a:p>
@@ -10280,7 +10335,14 @@
         <p:cNvGrpSpPr/>
         <p:nvPr/>
       </p:nvGrpSpPr>
-      <p:grpSpPr/>
+      <p:grpSpPr>
+        <a:xfrm>
+          <a:off x="0" y="0"/>
+          <a:ext cx="0" cy="0"/>
+          <a:chOff x="0" y="0"/>
+          <a:chExt cx="0" cy="0"/>
+        </a:xfrm>
+      </p:grpSpPr>
       <p:sp>
         <p:nvSpPr>
           <p:cNvPr id="2" name="Title 1"/>
@@ -10294,6 +10356,7 @@
         <p:spPr/>
         <p:txBody>
           <a:bodyPr/>
+          <a:lstStyle/>
           <a:p>
             <a:endParaRPr lang="en-US"/>
           </a:p>
@@ -10312,6 +10375,7 @@
         <p:spPr/>
         <p:txBody>
           <a:bodyPr/>
+          <a:lstStyle/>
           <a:p>
             <a:endParaRPr lang="en-US"/>
           </a:p>
@@ -10330,9 +10394,11 @@
         <p:spPr/>
         <p:txBody>
           <a:bodyPr/>
+          <a:lstStyle/>
           <a:p>
             <a:fld id="{B6F15528-21DE-4FAA-801E-634DDDAF4B2B}" type="slidenum">
               <a:rPr/>
+              <a:t>4</a:t>
             </a:fld>
             <a:endParaRPr/>
           </a:p>
@@ -10352,12 +10418,12 @@
           <a:graphicData uri="http://schemas.openxmlformats.org/presentationml/2006/ole">
             <mc:AlternateContent xmlns:mc="http://schemas.openxmlformats.org/markup-compatibility/2006">
               <mc:Choice xmlns:v="urn:schemas-microsoft-com:vml" Requires="v">
-                <p:oleObj spid="_x0000_s6" name="" r:id="rId1" imgW="9991725" imgH="5067300" progId="Paint.Picture">
+                <p:oleObj r:id="rId2" imgW="9991725" imgH="5067300" progId="Paint.Picture">
                   <p:embed/>
                 </p:oleObj>
               </mc:Choice>
               <mc:Fallback>
-                <p:oleObj name="" r:id="rId1" imgW="9991725" imgH="5067300" progId="Paint.Picture">
+                <p:oleObj r:id="rId2" imgW="9991725" imgH="5067300" progId="Paint.Picture">
                   <p:embed/>
                   <p:pic>
                     <p:nvPicPr>
@@ -10366,7 +10432,7 @@
                       <p:nvPr/>
                     </p:nvPicPr>
                     <p:blipFill>
-                      <a:blip r:embed="rId2"/>
+                      <a:blip r:embed="rId3"/>
                       <a:stretch>
                         <a:fillRect/>
                       </a:stretch>
@@ -10419,7 +10485,7 @@
           <p:nvPr/>
         </p:nvPicPr>
         <p:blipFill>
-          <a:blip r:embed="rId1" cstate="print"/>
+          <a:blip r:embed="rId2" cstate="print"/>
           <a:stretch>
             <a:fillRect/>
           </a:stretch>
@@ -10596,9 +10662,11 @@
         <p:spPr/>
         <p:txBody>
           <a:bodyPr/>
+          <a:lstStyle/>
           <a:p>
             <a:fld id="{B6F15528-21DE-4FAA-801E-634DDDAF4B2B}" type="slidenum">
               <a:rPr/>
+              <a:t>5</a:t>
             </a:fld>
             <a:endParaRPr/>
           </a:p>
@@ -11144,9 +11212,11 @@
         <p:spPr/>
         <p:txBody>
           <a:bodyPr/>
+          <a:lstStyle/>
           <a:p>
             <a:fld id="{B6F15528-21DE-4FAA-801E-634DDDAF4B2B}" type="slidenum">
               <a:rPr/>
+              <a:t>6</a:t>
             </a:fld>
             <a:endParaRPr/>
           </a:p>
@@ -11222,7 +11292,9 @@
         <p:txBody>
           <a:bodyPr wrap="square" lIns="0" tIns="0" rIns="0" bIns="0" rtlCol="0"/>
           <a:lstStyle/>
-          <a:p/>
+          <a:p>
+            <a:endParaRPr/>
+          </a:p>
         </p:txBody>
       </p:sp>
       <p:sp>
@@ -11362,11 +11434,6 @@
               </a:rPr>
               <a:t>%&gt;</a:t>
             </a:r>
-            <a:endParaRPr spc="-120" dirty="0">
-              <a:solidFill>
-                <a:srgbClr val="F15B2A"/>
-              </a:solidFill>
-            </a:endParaRPr>
           </a:p>
         </p:txBody>
       </p:sp>
@@ -11513,9 +11580,11 @@
         <p:spPr/>
         <p:txBody>
           <a:bodyPr/>
+          <a:lstStyle/>
           <a:p>
             <a:fld id="{B6F15528-21DE-4FAA-801E-634DDDAF4B2B}" type="slidenum">
               <a:rPr/>
+              <a:t>7</a:t>
             </a:fld>
             <a:endParaRPr/>
           </a:p>
@@ -11583,7 +11652,9 @@
         <p:txBody>
           <a:bodyPr wrap="square" lIns="0" tIns="0" rIns="0" bIns="0" rtlCol="0"/>
           <a:lstStyle/>
-          <a:p/>
+          <a:p>
+            <a:endParaRPr/>
+          </a:p>
         </p:txBody>
       </p:sp>
       <p:sp>
@@ -11953,9 +12024,11 @@
         <p:spPr/>
         <p:txBody>
           <a:bodyPr/>
+          <a:lstStyle/>
           <a:p>
             <a:fld id="{B6F15528-21DE-4FAA-801E-634DDDAF4B2B}" type="slidenum">
               <a:rPr/>
+              <a:t>8</a:t>
             </a:fld>
             <a:endParaRPr/>
           </a:p>
@@ -12532,27 +12605,7 @@
                 <a:latin typeface="Verdana" panose="020B0604030504040204"/>
                 <a:cs typeface="Verdana" panose="020B0604030504040204"/>
               </a:rPr>
-              <a:t>p</a:t>
-            </a:r>
-            <a:r>
-              <a:rPr sz="2400" spc="15" dirty="0">
-                <a:solidFill>
-                  <a:srgbClr val="0070C0"/>
-                </a:solidFill>
-                <a:latin typeface="Verdana" panose="020B0604030504040204"/>
-                <a:cs typeface="Verdana" panose="020B0604030504040204"/>
-              </a:rPr>
-              <a:t>o</a:t>
-            </a:r>
-            <a:r>
-              <a:rPr sz="2400" spc="15" dirty="0">
-                <a:solidFill>
-                  <a:srgbClr val="0070C0"/>
-                </a:solidFill>
-                <a:latin typeface="Verdana" panose="020B0604030504040204"/>
-                <a:cs typeface="Verdana" panose="020B0604030504040204"/>
-              </a:rPr>
-              <a:t>r</a:t>
+              <a:t>por</a:t>
             </a:r>
             <a:r>
               <a:rPr sz="2400" spc="20" dirty="0">
@@ -12674,9 +12727,11 @@
         <p:spPr/>
         <p:txBody>
           <a:bodyPr/>
+          <a:lstStyle/>
           <a:p>
             <a:fld id="{B6F15528-21DE-4FAA-801E-634DDDAF4B2B}" type="slidenum">
               <a:rPr/>
+              <a:t>9</a:t>
             </a:fld>
             <a:endParaRPr/>
           </a:p>
@@ -12968,6 +13023,8 @@
       </a:bgFillStyleLst>
     </a:fmtScheme>
   </a:themeElements>
+  <a:objectDefaults/>
+  <a:extraClrSchemeLst/>
   <a:extLst>
     <a:ext uri="{05A4C25C-085E-4340-85A3-A5531E510DB2}">
       <thm15:themeFamily xmlns:thm15="http://schemas.microsoft.com/office/thememl/2012/main" name="Office Theme" id="{62F939B6-93AF-4DB8-9C6B-D6C7DFDC589F}" vid="{4A3C46E8-61CC-4603-A589-7422A47A8E4A}"/>
@@ -13227,6 +13284,8 @@
       </a:bgFillStyleLst>
     </a:fmtScheme>
   </a:themeElements>
+  <a:objectDefaults/>
+  <a:extraClrSchemeLst/>
   <a:extLst>
     <a:ext uri="{05A4C25C-085E-4340-85A3-A5531E510DB2}">
       <thm15:themeFamily xmlns:thm15="http://schemas.microsoft.com/office/thememl/2012/main" name="Office Theme" id="{62F939B6-93AF-4DB8-9C6B-D6C7DFDC589F}" vid="{4A3C46E8-61CC-4603-A589-7422A47A8E4A}"/>
